--- a/Design20161201_00.pptx
+++ b/Design20161201_00.pptx
@@ -9,6 +9,7 @@
     <p:sldId id="257" r:id="rId3"/>
     <p:sldId id="258" r:id="rId4"/>
     <p:sldId id="259" r:id="rId5"/>
+    <p:sldId id="260" r:id="rId6"/>
   </p:sldIdLst>
   <p:sldSz cx="9144000" cy="6858000" type="screen4x3"/>
   <p:notesSz cx="6858000" cy="9144000"/>
@@ -4614,6 +4615,177 @@
     <p:extLst>
       <p:ext uri="{BB962C8B-B14F-4D97-AF65-F5344CB8AC3E}">
         <p14:creationId xmlns:p14="http://schemas.microsoft.com/office/powerpoint/2010/main" val="1549165801"/>
+      </p:ext>
+    </p:extLst>
+  </p:cSld>
+  <p:clrMapOvr>
+    <a:masterClrMapping/>
+  </p:clrMapOvr>
+</p:sld>
+</file>
+
+<file path=ppt/slides/slide5.xml><?xml version="1.0" encoding="utf-8"?>
+<p:sld xmlns:a="http://schemas.openxmlformats.org/drawingml/2006/main" xmlns:r="http://schemas.openxmlformats.org/officeDocument/2006/relationships" xmlns:p="http://schemas.openxmlformats.org/presentationml/2006/main">
+  <p:cSld>
+    <p:spTree>
+      <p:nvGrpSpPr>
+        <p:cNvPr id="1" name=""/>
+        <p:cNvGrpSpPr/>
+        <p:nvPr/>
+      </p:nvGrpSpPr>
+      <p:grpSpPr>
+        <a:xfrm>
+          <a:off x="0" y="0"/>
+          <a:ext cx="0" cy="0"/>
+          <a:chOff x="0" y="0"/>
+          <a:chExt cx="0" cy="0"/>
+        </a:xfrm>
+      </p:grpSpPr>
+      <p:sp>
+        <p:nvSpPr>
+          <p:cNvPr id="2" name="タイトル 1"/>
+          <p:cNvSpPr>
+            <a:spLocks noGrp="1"/>
+          </p:cNvSpPr>
+          <p:nvPr>
+            <p:ph type="title"/>
+          </p:nvPr>
+        </p:nvSpPr>
+        <p:spPr/>
+        <p:txBody>
+          <a:bodyPr/>
+          <a:lstStyle/>
+          <a:p>
+            <a:r>
+              <a:rPr kumimoji="1" lang="en-US" altLang="ja-JP" dirty="0" smtClean="0"/>
+              <a:t>12/1</a:t>
+            </a:r>
+            <a:r>
+              <a:rPr kumimoji="1" lang="ja-JP" altLang="en-US" dirty="0" smtClean="0"/>
+              <a:t>　進捗</a:t>
+            </a:r>
+            <a:endParaRPr kumimoji="1" lang="ja-JP" altLang="en-US" dirty="0"/>
+          </a:p>
+        </p:txBody>
+      </p:sp>
+      <p:sp>
+        <p:nvSpPr>
+          <p:cNvPr id="3" name="コンテンツ プレースホルダー 2"/>
+          <p:cNvSpPr>
+            <a:spLocks noGrp="1"/>
+          </p:cNvSpPr>
+          <p:nvPr>
+            <p:ph idx="1"/>
+          </p:nvPr>
+        </p:nvSpPr>
+        <p:spPr/>
+        <p:txBody>
+          <a:bodyPr>
+            <a:normAutofit fontScale="92500" lnSpcReduction="20000"/>
+          </a:bodyPr>
+          <a:lstStyle/>
+          <a:p>
+            <a:r>
+              <a:rPr kumimoji="1" lang="en-US" altLang="ja-JP" dirty="0" smtClean="0"/>
+              <a:t>Points</a:t>
+            </a:r>
+            <a:r>
+              <a:rPr kumimoji="1" lang="ja-JP" altLang="en-US" dirty="0" smtClean="0"/>
+              <a:t>データの構造体を定義した。</a:t>
+            </a:r>
+            <a:endParaRPr kumimoji="1" lang="en-US" altLang="ja-JP" dirty="0" smtClean="0"/>
+          </a:p>
+          <a:p>
+            <a:r>
+              <a:rPr lang="ja-JP" altLang="en-US" dirty="0" smtClean="0"/>
+              <a:t>初期化とメモリアロケーションの関数を開発</a:t>
+            </a:r>
+            <a:endParaRPr lang="en-US" altLang="ja-JP" dirty="0" smtClean="0"/>
+          </a:p>
+          <a:p>
+            <a:r>
+              <a:rPr kumimoji="1" lang="ja-JP" altLang="en-US" dirty="0" smtClean="0"/>
+              <a:t>値をセットする関数を開発</a:t>
+            </a:r>
+            <a:endParaRPr kumimoji="1" lang="en-US" altLang="ja-JP" dirty="0" smtClean="0"/>
+          </a:p>
+          <a:p>
+            <a:r>
+              <a:rPr kumimoji="1" lang="ja-JP" altLang="en-US" dirty="0" smtClean="0"/>
+              <a:t>２つの関数を使って球の点群を生成するユーティリティ関数を作成する途中で終了。</a:t>
+            </a:r>
+            <a:endParaRPr kumimoji="1" lang="en-US" altLang="ja-JP" dirty="0" smtClean="0"/>
+          </a:p>
+          <a:p>
+            <a:pPr lvl="1"/>
+            <a:r>
+              <a:rPr lang="ja-JP" altLang="en-US" dirty="0" smtClean="0"/>
+              <a:t>次回</a:t>
+            </a:r>
+            <a:r>
+              <a:rPr lang="ja-JP" altLang="en-US" dirty="0"/>
+              <a:t>は</a:t>
+            </a:r>
+            <a:r>
+              <a:rPr lang="ja-JP" altLang="en-US" dirty="0" smtClean="0"/>
+              <a:t>、フレームバッファを生成（今回の構造体生成と同じ、</a:t>
+            </a:r>
+            <a:r>
+              <a:rPr lang="en-US" altLang="ja-JP" dirty="0" err="1" smtClean="0"/>
+              <a:t>width,height</a:t>
+            </a:r>
+            <a:r>
+              <a:rPr lang="ja-JP" altLang="en-US" dirty="0" smtClean="0"/>
+              <a:t>を指定してフレームバッファと</a:t>
+            </a:r>
+            <a:r>
+              <a:rPr lang="en-US" altLang="ja-JP" dirty="0" smtClean="0"/>
+              <a:t>Z</a:t>
+            </a:r>
+            <a:r>
+              <a:rPr lang="ja-JP" altLang="en-US" dirty="0" smtClean="0"/>
+              <a:t>バッファ、Ｖバッファ（ステンシル）を確保する。）</a:t>
+            </a:r>
+            <a:endParaRPr lang="en-US" altLang="ja-JP" dirty="0" smtClean="0"/>
+          </a:p>
+          <a:p>
+            <a:pPr lvl="1"/>
+            <a:r>
+              <a:rPr kumimoji="1" lang="ja-JP" altLang="en-US" dirty="0" smtClean="0"/>
+              <a:t>ライスタライジング（平行投影）</a:t>
+            </a:r>
+            <a:endParaRPr kumimoji="1" lang="en-US" altLang="ja-JP" dirty="0" smtClean="0"/>
+          </a:p>
+          <a:p>
+            <a:pPr lvl="1"/>
+            <a:r>
+              <a:rPr lang="ja-JP" altLang="en-US" dirty="0" smtClean="0"/>
+              <a:t>シェーディング</a:t>
+            </a:r>
+            <a:endParaRPr lang="en-US" altLang="ja-JP" dirty="0" smtClean="0"/>
+          </a:p>
+          <a:p>
+            <a:pPr lvl="1"/>
+            <a:r>
+              <a:rPr kumimoji="1" lang="ja-JP" altLang="en-US" dirty="0" smtClean="0"/>
+              <a:t>ファイル</a:t>
+            </a:r>
+            <a:r>
+              <a:rPr kumimoji="1" lang="ja-JP" altLang="en-US" dirty="0"/>
+              <a:t>へ</a:t>
+            </a:r>
+            <a:r>
+              <a:rPr kumimoji="1" lang="ja-JP" altLang="en-US" dirty="0" smtClean="0"/>
+              <a:t>の書出し</a:t>
+            </a:r>
+            <a:endParaRPr kumimoji="1" lang="ja-JP" altLang="en-US" dirty="0"/>
+          </a:p>
+        </p:txBody>
+      </p:sp>
+    </p:spTree>
+    <p:extLst>
+      <p:ext uri="{BB962C8B-B14F-4D97-AF65-F5344CB8AC3E}">
+        <p14:creationId xmlns:p14="http://schemas.microsoft.com/office/powerpoint/2010/main" val="1041027357"/>
       </p:ext>
     </p:extLst>
   </p:cSld>
